--- a/Common/Reports/Capstone_Defense.pptx
+++ b/Common/Reports/Capstone_Defense.pptx
@@ -14,6 +14,7 @@
     <p:sldId id="262" r:id="rId8"/>
     <p:sldId id="264" r:id="rId9"/>
     <p:sldId id="263" r:id="rId10"/>
+    <p:sldId id="265" r:id="rId11"/>
   </p:sldIdLst>
   <p:sldSz cx="12192000" cy="6858000"/>
   <p:notesSz cx="6858000" cy="9144000"/>
@@ -1466,8 +1467,8 @@
     <dgm:cxn modelId="{53D5A921-92DC-4AF4-81FF-05579987A5FF}" type="presOf" srcId="{E38682B0-5C92-4871-BD7A-16A8EA71A380}" destId="{DAF65D33-DF62-4220-B863-85C89A7D5CE8}" srcOrd="0" destOrd="0" presId="urn:microsoft.com/office/officeart/2005/8/layout/vList2"/>
     <dgm:cxn modelId="{95BAE86F-965C-4754-A73A-7476072ADD1F}" type="presOf" srcId="{AFB2126C-D6AE-4703-A764-7F5A2C8A4DEC}" destId="{740F3773-474C-4D4F-A51F-0E7824155C6A}" srcOrd="0" destOrd="0" presId="urn:microsoft.com/office/officeart/2005/8/layout/vList2"/>
     <dgm:cxn modelId="{B7513843-BCB9-4B46-8B3E-A83BB5FDAFCC}" type="presOf" srcId="{7473B965-E7D8-4A6C-A159-2E26548C641B}" destId="{C7476393-FE7D-451F-B9BC-A8083DA83AE7}" srcOrd="0" destOrd="0" presId="urn:microsoft.com/office/officeart/2005/8/layout/vList2"/>
+    <dgm:cxn modelId="{A66A0676-3A2E-44C8-8DBF-479BD749DC3F}" type="presOf" srcId="{67CD6434-8F6B-4939-8DD9-02AD99F3987D}" destId="{C7476393-FE7D-451F-B9BC-A8083DA83AE7}" srcOrd="0" destOrd="1" presId="urn:microsoft.com/office/officeart/2005/8/layout/vList2"/>
     <dgm:cxn modelId="{1B78D305-49D2-4722-A5DB-0DA4440BB6A5}" srcId="{3A29BB9C-2F10-428E-9E33-D4678CF2542C}" destId="{67CD6434-8F6B-4939-8DD9-02AD99F3987D}" srcOrd="1" destOrd="0" parTransId="{3ABDD7F2-7AB7-4472-AC15-4B91EF8B48E4}" sibTransId="{09F7767B-0CC9-4B22-A574-4B82DF0426C6}"/>
-    <dgm:cxn modelId="{A66A0676-3A2E-44C8-8DBF-479BD749DC3F}" type="presOf" srcId="{67CD6434-8F6B-4939-8DD9-02AD99F3987D}" destId="{C7476393-FE7D-451F-B9BC-A8083DA83AE7}" srcOrd="0" destOrd="1" presId="urn:microsoft.com/office/officeart/2005/8/layout/vList2"/>
     <dgm:cxn modelId="{839EE6D1-80FD-44AF-B5AC-C8C4114A5556}" type="presOf" srcId="{688919A9-EF0C-491A-83AF-8E3A17FD86F9}" destId="{DA3A85A0-B287-4F63-AD59-3C8EEC7DC7CE}" srcOrd="0" destOrd="0" presId="urn:microsoft.com/office/officeart/2005/8/layout/vList2"/>
     <dgm:cxn modelId="{B9CB73E7-4DD6-42B2-8697-D6E9FCA3F914}" type="presOf" srcId="{2013234F-7B13-4557-9928-EA4A8BB9A279}" destId="{DA3A85A0-B287-4F63-AD59-3C8EEC7DC7CE}" srcOrd="0" destOrd="1" presId="urn:microsoft.com/office/officeart/2005/8/layout/vList2"/>
     <dgm:cxn modelId="{B059D223-F5ED-457C-AC44-50526239ADB9}" type="presOf" srcId="{C636EE67-8ABD-4FC0-B946-23BC39703799}" destId="{AB9C3895-AFAE-4A9B-AD09-4CDC02EF9D15}" srcOrd="0" destOrd="1" presId="urn:microsoft.com/office/officeart/2005/8/layout/vList2"/>
@@ -3477,7 +3478,7 @@
           <a:p>
             <a:fld id="{77E133C8-D6E7-42CD-8DA8-6D2BDD78F7F4}" type="datetimeFigureOut">
               <a:rPr lang="en-US" smtClean="0"/>
-              <a:t>4/18/2017</a:t>
+              <a:t>4/19/2017</a:t>
             </a:fld>
             <a:endParaRPr lang="en-US"/>
           </a:p>
@@ -3647,7 +3648,7 @@
           <a:p>
             <a:fld id="{77E133C8-D6E7-42CD-8DA8-6D2BDD78F7F4}" type="datetimeFigureOut">
               <a:rPr lang="en-US" smtClean="0"/>
-              <a:t>4/18/2017</a:t>
+              <a:t>4/19/2017</a:t>
             </a:fld>
             <a:endParaRPr lang="en-US"/>
           </a:p>
@@ -3827,7 +3828,7 @@
           <a:p>
             <a:fld id="{77E133C8-D6E7-42CD-8DA8-6D2BDD78F7F4}" type="datetimeFigureOut">
               <a:rPr lang="en-US" smtClean="0"/>
-              <a:t>4/18/2017</a:t>
+              <a:t>4/19/2017</a:t>
             </a:fld>
             <a:endParaRPr lang="en-US"/>
           </a:p>
@@ -3997,7 +3998,7 @@
           <a:p>
             <a:fld id="{77E133C8-D6E7-42CD-8DA8-6D2BDD78F7F4}" type="datetimeFigureOut">
               <a:rPr lang="en-US" smtClean="0"/>
-              <a:t>4/18/2017</a:t>
+              <a:t>4/19/2017</a:t>
             </a:fld>
             <a:endParaRPr lang="en-US"/>
           </a:p>
@@ -4243,7 +4244,7 @@
           <a:p>
             <a:fld id="{77E133C8-D6E7-42CD-8DA8-6D2BDD78F7F4}" type="datetimeFigureOut">
               <a:rPr lang="en-US" smtClean="0"/>
-              <a:t>4/18/2017</a:t>
+              <a:t>4/19/2017</a:t>
             </a:fld>
             <a:endParaRPr lang="en-US"/>
           </a:p>
@@ -4475,7 +4476,7 @@
           <a:p>
             <a:fld id="{77E133C8-D6E7-42CD-8DA8-6D2BDD78F7F4}" type="datetimeFigureOut">
               <a:rPr lang="en-US" smtClean="0"/>
-              <a:t>4/18/2017</a:t>
+              <a:t>4/19/2017</a:t>
             </a:fld>
             <a:endParaRPr lang="en-US"/>
           </a:p>
@@ -4842,7 +4843,7 @@
           <a:p>
             <a:fld id="{77E133C8-D6E7-42CD-8DA8-6D2BDD78F7F4}" type="datetimeFigureOut">
               <a:rPr lang="en-US" smtClean="0"/>
-              <a:t>4/18/2017</a:t>
+              <a:t>4/19/2017</a:t>
             </a:fld>
             <a:endParaRPr lang="en-US"/>
           </a:p>
@@ -4960,7 +4961,7 @@
           <a:p>
             <a:fld id="{77E133C8-D6E7-42CD-8DA8-6D2BDD78F7F4}" type="datetimeFigureOut">
               <a:rPr lang="en-US" smtClean="0"/>
-              <a:t>4/18/2017</a:t>
+              <a:t>4/19/2017</a:t>
             </a:fld>
             <a:endParaRPr lang="en-US"/>
           </a:p>
@@ -5055,7 +5056,7 @@
           <a:p>
             <a:fld id="{77E133C8-D6E7-42CD-8DA8-6D2BDD78F7F4}" type="datetimeFigureOut">
               <a:rPr lang="en-US" smtClean="0"/>
-              <a:t>4/18/2017</a:t>
+              <a:t>4/19/2017</a:t>
             </a:fld>
             <a:endParaRPr lang="en-US"/>
           </a:p>
@@ -5332,7 +5333,7 @@
           <a:p>
             <a:fld id="{77E133C8-D6E7-42CD-8DA8-6D2BDD78F7F4}" type="datetimeFigureOut">
               <a:rPr lang="en-US" smtClean="0"/>
-              <a:t>4/18/2017</a:t>
+              <a:t>4/19/2017</a:t>
             </a:fld>
             <a:endParaRPr lang="en-US"/>
           </a:p>
@@ -5585,7 +5586,7 @@
           <a:p>
             <a:fld id="{77E133C8-D6E7-42CD-8DA8-6D2BDD78F7F4}" type="datetimeFigureOut">
               <a:rPr lang="en-US" smtClean="0"/>
-              <a:t>4/18/2017</a:t>
+              <a:t>4/19/2017</a:t>
             </a:fld>
             <a:endParaRPr lang="en-US"/>
           </a:p>
@@ -5798,7 +5799,7 @@
           <a:p>
             <a:fld id="{77E133C8-D6E7-42CD-8DA8-6D2BDD78F7F4}" type="datetimeFigureOut">
               <a:rPr lang="en-US" smtClean="0"/>
-              <a:t>4/18/2017</a:t>
+              <a:t>4/19/2017</a:t>
             </a:fld>
             <a:endParaRPr lang="en-US"/>
           </a:p>
@@ -6258,6 +6259,81 @@
 </p:sld>
 </file>
 
+<file path=ppt/slides/slide10.xml><?xml version="1.0" encoding="utf-8"?>
+<p:sld xmlns:a="http://schemas.openxmlformats.org/drawingml/2006/main" xmlns:r="http://schemas.openxmlformats.org/officeDocument/2006/relationships" xmlns:p="http://schemas.openxmlformats.org/presentationml/2006/main">
+  <p:cSld>
+    <p:spTree>
+      <p:nvGrpSpPr>
+        <p:cNvPr id="1" name=""/>
+        <p:cNvGrpSpPr/>
+        <p:nvPr/>
+      </p:nvGrpSpPr>
+      <p:grpSpPr>
+        <a:xfrm>
+          <a:off x="0" y="0"/>
+          <a:ext cx="0" cy="0"/>
+          <a:chOff x="0" y="0"/>
+          <a:chExt cx="0" cy="0"/>
+        </a:xfrm>
+      </p:grpSpPr>
+      <p:sp>
+        <p:nvSpPr>
+          <p:cNvPr id="2" name="Title 1"/>
+          <p:cNvSpPr>
+            <a:spLocks noGrp="1"/>
+          </p:cNvSpPr>
+          <p:nvPr>
+            <p:ph type="title"/>
+          </p:nvPr>
+        </p:nvSpPr>
+        <p:spPr/>
+        <p:txBody>
+          <a:bodyPr/>
+          <a:lstStyle/>
+          <a:p>
+            <a:r>
+              <a:rPr lang="en-US" dirty="0" smtClean="0"/>
+              <a:t>Web Service</a:t>
+            </a:r>
+            <a:endParaRPr lang="en-US" dirty="0"/>
+          </a:p>
+        </p:txBody>
+      </p:sp>
+      <p:pic>
+        <p:nvPicPr>
+          <p:cNvPr id="4" name="Picture 3"/>
+          <p:cNvPicPr/>
+          <p:nvPr/>
+        </p:nvPicPr>
+        <p:blipFill>
+          <a:blip r:embed="rId2"/>
+          <a:stretch>
+            <a:fillRect/>
+          </a:stretch>
+        </p:blipFill>
+        <p:spPr>
+          <a:xfrm>
+            <a:off x="838200" y="1218788"/>
+            <a:ext cx="10515600" cy="5639211"/>
+          </a:xfrm>
+          <a:prstGeom prst="rect">
+            <a:avLst/>
+          </a:prstGeom>
+        </p:spPr>
+      </p:pic>
+    </p:spTree>
+    <p:extLst>
+      <p:ext uri="{BB962C8B-B14F-4D97-AF65-F5344CB8AC3E}">
+        <p14:creationId xmlns:p14="http://schemas.microsoft.com/office/powerpoint/2010/main" val="2498924116"/>
+      </p:ext>
+    </p:extLst>
+  </p:cSld>
+  <p:clrMapOvr>
+    <a:masterClrMapping/>
+  </p:clrMapOvr>
+</p:sld>
+</file>
+
 <file path=ppt/slides/slide2.xml><?xml version="1.0" encoding="utf-8"?>
 <p:sld xmlns:a="http://schemas.openxmlformats.org/drawingml/2006/main" xmlns:r="http://schemas.openxmlformats.org/officeDocument/2006/relationships" xmlns:p="http://schemas.openxmlformats.org/presentationml/2006/main">
   <p:cSld>
